--- a/docs/proposal/Proposal_통합본.pptx
+++ b/docs/proposal/Proposal_통합본.pptx
@@ -20799,6 +20799,51 @@
             </a:r>
             <a:endParaRPr lang="ko-KR" altLang="en-US" dirty="0">
               <a:ea typeface="맑은 고딕" pitchFamily="50" charset="-127"/>
+            </a:endParaRPr>
+          </a:p>
+        </p:txBody>
+      </p:sp>
+      <p:sp>
+        <p:nvSpPr>
+          <p:cNvPr id="2" name="TextBox 1">
+            <a:extLst>
+              <a:ext uri="{FF2B5EF4-FFF2-40B4-BE49-F238E27FC236}">
+                <a16:creationId xmlns:a16="http://schemas.microsoft.com/office/drawing/2014/main" id="{FC874ADD-A403-482F-9A3A-88A3430C5EBE}"/>
+              </a:ext>
+            </a:extLst>
+          </p:cNvPr>
+          <p:cNvSpPr txBox="1"/>
+          <p:nvPr/>
+        </p:nvSpPr>
+        <p:spPr>
+          <a:xfrm>
+            <a:off x="3779912" y="4227934"/>
+            <a:ext cx="1584176" cy="400110"/>
+          </a:xfrm>
+          <a:prstGeom prst="rect">
+            <a:avLst/>
+          </a:prstGeom>
+          <a:noFill/>
+        </p:spPr>
+        <p:txBody>
+          <a:bodyPr wrap="square" rtlCol="0">
+            <a:spAutoFit/>
+          </a:bodyPr>
+          <a:lstStyle/>
+          <a:p>
+            <a:pPr algn="ctr"/>
+            <a:r>
+              <a:rPr lang="en-US" altLang="ko-KR" sz="2000" b="1" dirty="0">
+                <a:solidFill>
+                  <a:srgbClr val="FEB856"/>
+                </a:solidFill>
+              </a:rPr>
+              <a:t>TEAM15</a:t>
+            </a:r>
+            <a:endParaRPr lang="ko-KR" altLang="en-US" sz="2000" b="1" dirty="0">
+              <a:solidFill>
+                <a:srgbClr val="FEB856"/>
+              </a:solidFill>
             </a:endParaRPr>
           </a:p>
         </p:txBody>
@@ -37389,7 +37434,7 @@
     <mc:Choice Requires="p14">
       <p:transition/>
     </mc:Choice>
-    <mc:Fallback xmlns:dsp="http://schemas.microsoft.com/office/drawing/2008/diagram" xmlns:dgm="http://schemas.openxmlformats.org/drawingml/2006/diagram" xmlns:c="http://schemas.openxmlformats.org/drawingml/2006/chart" xmlns="">
+    <mc:Fallback xmlns="" xmlns:c="http://schemas.openxmlformats.org/drawingml/2006/chart" xmlns:dgm="http://schemas.openxmlformats.org/drawingml/2006/diagram" xmlns:dsp="http://schemas.microsoft.com/office/drawing/2008/diagram">
       <p:transition/>
     </mc:Fallback>
   </mc:AlternateContent>
